--- a/doc/squeakyJS.pptx
+++ b/doc/squeakyJS.pptx
@@ -4043,8 +4043,13 @@
             </a:r>
             <a:r>
               <a:rPr lang="en-US" dirty="0" smtClean="0"/>
-              <a:t>concatenation of method name partials</a:t>
-            </a:r>
+              <a:t>concatenation of </a:t>
+            </a:r>
+            <a:r>
+              <a:rPr lang="en-US" dirty="0" smtClean="0"/>
+              <a:t>selector parts</a:t>
+            </a:r>
+            <a:endParaRPr lang="en-US" dirty="0" smtClean="0"/>
           </a:p>
           <a:p>
             <a:pPr>
@@ -5283,10 +5288,20 @@
                 <a:latin typeface="Courier New" pitchFamily="49" charset="0"/>
                 <a:cs typeface="Courier New" pitchFamily="49" charset="0"/>
               </a:rPr>
-              <a:t>__class</a:t>
-            </a:r>
-            <a:r>
-              <a:rPr lang="en-US" sz="1600" b="1" dirty="0" err="1" smtClean="0">
+              <a:t>_class</a:t>
+            </a:r>
+            <a:r>
+              <a:rPr lang="en-US" sz="1600" b="1" dirty="0" smtClean="0">
+                <a:solidFill>
+                  <a:srgbClr val="FF8000"/>
+                </a:solidFill>
+                <a:latin typeface="Courier New" pitchFamily="49" charset="0"/>
+                <a:cs typeface="Courier New" pitchFamily="49" charset="0"/>
+              </a:rPr>
+              <a:t>()</a:t>
+            </a:r>
+            <a:r>
+              <a:rPr lang="en-US" sz="1600" b="1" dirty="0" smtClean="0">
                 <a:latin typeface="Courier New" pitchFamily="49" charset="0"/>
                 <a:cs typeface="Courier New" pitchFamily="49" charset="0"/>
               </a:rPr>
@@ -5868,7 +5883,14 @@
                 <a:latin typeface="Courier New" pitchFamily="49" charset="0"/>
                 <a:cs typeface="Courier New" pitchFamily="49" charset="0"/>
               </a:rPr>
-              <a:t>aPirate.</a:t>
+              <a:t>aPirate</a:t>
+            </a:r>
+            <a:r>
+              <a:rPr lang="de-DE" sz="1600" b="1" dirty="0" err="1" smtClean="0">
+                <a:latin typeface="Courier New" pitchFamily="49" charset="0"/>
+                <a:cs typeface="Courier New" pitchFamily="49" charset="0"/>
+              </a:rPr>
+              <a:t>.</a:t>
             </a:r>
             <a:r>
               <a:rPr lang="de-DE" sz="1600" b="1" dirty="0" err="1" smtClean="0">
@@ -5878,14 +5900,31 @@
                 <a:latin typeface="Courier New" pitchFamily="49" charset="0"/>
                 <a:cs typeface="Courier New" pitchFamily="49" charset="0"/>
               </a:rPr>
-              <a:t>__class</a:t>
+              <a:t>_class</a:t>
+            </a:r>
+            <a:r>
+              <a:rPr lang="de-DE" sz="1600" b="1" dirty="0" smtClean="0">
+                <a:solidFill>
+                  <a:srgbClr val="FF8000"/>
+                </a:solidFill>
+                <a:latin typeface="Courier New" pitchFamily="49" charset="0"/>
+                <a:cs typeface="Courier New" pitchFamily="49" charset="0"/>
+              </a:rPr>
+              <a:t>()</a:t>
+            </a:r>
+            <a:r>
+              <a:rPr lang="de-DE" sz="1600" b="1" dirty="0" smtClean="0">
+                <a:latin typeface="Courier New" pitchFamily="49" charset="0"/>
+                <a:cs typeface="Courier New" pitchFamily="49" charset="0"/>
+              </a:rPr>
+              <a:t>.</a:t>
             </a:r>
             <a:r>
               <a:rPr lang="de-DE" sz="1600" b="1" dirty="0" err="1" smtClean="0">
                 <a:latin typeface="Courier New" pitchFamily="49" charset="0"/>
                 <a:cs typeface="Courier New" pitchFamily="49" charset="0"/>
               </a:rPr>
-              <a:t>.printFoobar</a:t>
+              <a:t>printFoobar</a:t>
             </a:r>
             <a:r>
               <a:rPr lang="de-DE" sz="1600" b="1" dirty="0" smtClean="0">
@@ -6028,75 +6067,165 @@
               <a:buNone/>
             </a:pPr>
             <a:r>
-              <a:rPr lang="en-US" sz="1600" b="1" dirty="0" err="1" smtClean="0">
-                <a:latin typeface="Courier New" pitchFamily="49" charset="0"/>
-                <a:cs typeface="Courier New" pitchFamily="49" charset="0"/>
-              </a:rPr>
-              <a:t>aPirate._addClassMethods</a:t>
-            </a:r>
-            <a:r>
-              <a:rPr lang="en-US" sz="1600" b="1" dirty="0" smtClean="0">
-                <a:latin typeface="Courier New" pitchFamily="49" charset="0"/>
-                <a:cs typeface="Courier New" pitchFamily="49" charset="0"/>
-              </a:rPr>
-              <a:t>({</a:t>
-            </a:r>
+              <a:rPr lang="de-DE" sz="1200" b="1" dirty="0" err="1" smtClean="0">
+                <a:latin typeface="Courier New" pitchFamily="49" charset="0"/>
+                <a:cs typeface="Courier New" pitchFamily="49" charset="0"/>
+              </a:rPr>
+              <a:t>Pirate</a:t>
+            </a:r>
+            <a:r>
+              <a:rPr lang="de-DE" sz="1200" b="1" dirty="0" smtClean="0">
+                <a:latin typeface="Courier New" pitchFamily="49" charset="0"/>
+                <a:cs typeface="Courier New" pitchFamily="49" charset="0"/>
+              </a:rPr>
+              <a:t>&gt;&gt;</a:t>
+            </a:r>
+            <a:r>
+              <a:rPr lang="de-DE" sz="1200" b="1" dirty="0" err="1" smtClean="0">
+                <a:latin typeface="Courier New" pitchFamily="49" charset="0"/>
+                <a:cs typeface="Courier New" pitchFamily="49" charset="0"/>
+              </a:rPr>
+              <a:t>evaluateBlock</a:t>
+            </a:r>
+            <a:r>
+              <a:rPr lang="de-DE" sz="1200" b="1" dirty="0" smtClean="0">
+                <a:latin typeface="Courier New" pitchFamily="49" charset="0"/>
+                <a:cs typeface="Courier New" pitchFamily="49" charset="0"/>
+              </a:rPr>
+              <a:t>: </a:t>
+            </a:r>
+            <a:r>
+              <a:rPr lang="de-DE" sz="1200" b="1" dirty="0" err="1" smtClean="0">
+                <a:latin typeface="Courier New" pitchFamily="49" charset="0"/>
+                <a:cs typeface="Courier New" pitchFamily="49" charset="0"/>
+              </a:rPr>
+              <a:t>aBlock</a:t>
+            </a:r>
+            <a:endParaRPr lang="de-DE" sz="1200" b="1" dirty="0" smtClean="0">
+              <a:latin typeface="Courier New" pitchFamily="49" charset="0"/>
+              <a:cs typeface="Courier New" pitchFamily="49" charset="0"/>
+            </a:endParaRPr>
           </a:p>
           <a:p>
             <a:pPr>
               <a:buNone/>
             </a:pPr>
             <a:r>
-              <a:rPr lang="en-US" sz="1600" b="1" dirty="0" smtClean="0">
+              <a:rPr lang="de-DE" sz="1200" b="1" dirty="0" smtClean="0">
                 <a:latin typeface="Courier New" pitchFamily="49" charset="0"/>
                 <a:cs typeface="Courier New" pitchFamily="49" charset="0"/>
               </a:rPr>
               <a:t>	</a:t>
             </a:r>
             <a:r>
-              <a:rPr lang="en-US" sz="1600" b="1" dirty="0" err="1" smtClean="0">
-                <a:latin typeface="Courier New" pitchFamily="49" charset="0"/>
-                <a:cs typeface="Courier New" pitchFamily="49" charset="0"/>
-              </a:rPr>
-              <a:t>evaluateBlock</a:t>
-            </a:r>
-            <a:r>
-              <a:rPr lang="en-US" sz="1600" b="1" dirty="0" smtClean="0">
-                <a:latin typeface="Courier New" pitchFamily="49" charset="0"/>
-                <a:cs typeface="Courier New" pitchFamily="49" charset="0"/>
-              </a:rPr>
-              <a:t>: </a:t>
-            </a:r>
-            <a:r>
-              <a:rPr lang="en-US" sz="1600" b="1" dirty="0" smtClean="0">
+              <a:rPr lang="de-DE" sz="1200" b="1" dirty="0" err="1" smtClean="0">
+                <a:latin typeface="Courier New" pitchFamily="49" charset="0"/>
+                <a:cs typeface="Courier New" pitchFamily="49" charset="0"/>
+              </a:rPr>
+              <a:t>aBlock</a:t>
+            </a:r>
+            <a:r>
+              <a:rPr lang="de-DE" sz="1200" b="1" dirty="0" smtClean="0">
+                <a:latin typeface="Courier New" pitchFamily="49" charset="0"/>
+                <a:cs typeface="Courier New" pitchFamily="49" charset="0"/>
+              </a:rPr>
+              <a:t> </a:t>
+            </a:r>
+            <a:r>
+              <a:rPr lang="de-DE" sz="1200" b="1" dirty="0" err="1" smtClean="0">
+                <a:latin typeface="Courier New" pitchFamily="49" charset="0"/>
+                <a:cs typeface="Courier New" pitchFamily="49" charset="0"/>
+              </a:rPr>
+              <a:t>value</a:t>
+            </a:r>
+            <a:r>
+              <a:rPr lang="de-DE" sz="1200" b="1" dirty="0" smtClean="0">
+                <a:latin typeface="Courier New" pitchFamily="49" charset="0"/>
+                <a:cs typeface="Courier New" pitchFamily="49" charset="0"/>
+              </a:rPr>
+              <a:t>.</a:t>
+            </a:r>
+          </a:p>
+          <a:p>
+            <a:pPr>
+              <a:buNone/>
+            </a:pPr>
+            <a:endParaRPr lang="de-DE" sz="1200" b="1" dirty="0" smtClean="0">
+              <a:latin typeface="Courier New" pitchFamily="49" charset="0"/>
+              <a:cs typeface="Courier New" pitchFamily="49" charset="0"/>
+            </a:endParaRPr>
+          </a:p>
+          <a:p>
+            <a:pPr>
+              <a:buNone/>
+            </a:pPr>
+            <a:r>
+              <a:rPr lang="de-DE" sz="1200" b="1" dirty="0" err="1" smtClean="0">
+                <a:latin typeface="Courier New" pitchFamily="49" charset="0"/>
+                <a:cs typeface="Courier New" pitchFamily="49" charset="0"/>
+              </a:rPr>
+              <a:t>Pirate</a:t>
+            </a:r>
+            <a:r>
+              <a:rPr lang="de-DE" sz="1200" b="1" dirty="0" smtClean="0">
+                <a:latin typeface="Courier New" pitchFamily="49" charset="0"/>
+                <a:cs typeface="Courier New" pitchFamily="49" charset="0"/>
+              </a:rPr>
+              <a:t>&gt;&gt;</a:t>
+            </a:r>
+            <a:r>
+              <a:rPr lang="de-DE" sz="1200" b="1" dirty="0" err="1" smtClean="0">
+                <a:latin typeface="Courier New" pitchFamily="49" charset="0"/>
+                <a:cs typeface="Courier New" pitchFamily="49" charset="0"/>
+              </a:rPr>
+              <a:t>noise</a:t>
+            </a:r>
+            <a:endParaRPr lang="de-DE" sz="1200" b="1" dirty="0" smtClean="0">
+              <a:latin typeface="Courier New" pitchFamily="49" charset="0"/>
+              <a:cs typeface="Courier New" pitchFamily="49" charset="0"/>
+            </a:endParaRPr>
+          </a:p>
+          <a:p>
+            <a:pPr>
+              <a:buNone/>
+            </a:pPr>
+            <a:r>
+              <a:rPr lang="de-DE" sz="1200" b="1" dirty="0" smtClean="0">
+                <a:latin typeface="Courier New" pitchFamily="49" charset="0"/>
+                <a:cs typeface="Courier New" pitchFamily="49" charset="0"/>
+              </a:rPr>
+              <a:t>	</a:t>
+            </a:r>
+            <a:r>
+              <a:rPr lang="de-DE" sz="1200" b="1" dirty="0" err="1" smtClean="0">
                 <a:solidFill>
                   <a:srgbClr val="004080"/>
                 </a:solidFill>
                 <a:latin typeface="Courier New" pitchFamily="49" charset="0"/>
                 <a:cs typeface="Courier New" pitchFamily="49" charset="0"/>
               </a:rPr>
-              <a:t>function</a:t>
-            </a:r>
-            <a:r>
-              <a:rPr lang="en-US" sz="1600" b="1" dirty="0" smtClean="0">
-                <a:latin typeface="Courier New" pitchFamily="49" charset="0"/>
-                <a:cs typeface="Courier New" pitchFamily="49" charset="0"/>
-              </a:rPr>
-              <a:t>(</a:t>
-            </a:r>
-            <a:r>
-              <a:rPr lang="en-US" sz="1600" b="1" dirty="0" err="1" smtClean="0">
-                <a:latin typeface="Courier New" pitchFamily="49" charset="0"/>
-                <a:cs typeface="Courier New" pitchFamily="49" charset="0"/>
-              </a:rPr>
-              <a:t>aBlock</a:t>
-            </a:r>
-            <a:r>
-              <a:rPr lang="en-US" sz="1600" b="1" dirty="0" smtClean="0">
-                <a:latin typeface="Courier New" pitchFamily="49" charset="0"/>
-                <a:cs typeface="Courier New" pitchFamily="49" charset="0"/>
-              </a:rPr>
-              <a:t>) {</a:t>
+              <a:t>self</a:t>
+            </a:r>
+            <a:r>
+              <a:rPr lang="de-DE" sz="1200" b="1" dirty="0" smtClean="0">
+                <a:latin typeface="Courier New" pitchFamily="49" charset="0"/>
+                <a:cs typeface="Courier New" pitchFamily="49" charset="0"/>
+              </a:rPr>
+              <a:t> </a:t>
+            </a:r>
+            <a:r>
+              <a:rPr lang="de-DE" sz="1200" b="1" dirty="0" err="1" smtClean="0">
+                <a:latin typeface="Courier New" pitchFamily="49" charset="0"/>
+                <a:cs typeface="Courier New" pitchFamily="49" charset="0"/>
+              </a:rPr>
+              <a:t>evaluateBlock</a:t>
+            </a:r>
+            <a:r>
+              <a:rPr lang="de-DE" sz="1200" b="1" dirty="0" smtClean="0">
+                <a:latin typeface="Courier New" pitchFamily="49" charset="0"/>
+                <a:cs typeface="Courier New" pitchFamily="49" charset="0"/>
+              </a:rPr>
+              <a:t>: [ :a | [ :b | ^ a + b] ]</a:t>
             </a:r>
           </a:p>
           <a:p>
@@ -6104,185 +6233,74 @@
               <a:buNone/>
             </a:pPr>
             <a:r>
-              <a:rPr lang="en-US" sz="1600" b="1" dirty="0" smtClean="0">
-                <a:latin typeface="Courier New" pitchFamily="49" charset="0"/>
-                <a:cs typeface="Courier New" pitchFamily="49" charset="0"/>
-              </a:rPr>
-              <a:t>		</a:t>
-            </a:r>
-            <a:r>
-              <a:rPr lang="en-US" sz="1600" b="1" dirty="0" err="1" smtClean="0">
-                <a:latin typeface="Courier New" pitchFamily="49" charset="0"/>
-                <a:cs typeface="Courier New" pitchFamily="49" charset="0"/>
-              </a:rPr>
-              <a:t>aBlock.value</a:t>
-            </a:r>
-            <a:r>
-              <a:rPr lang="en-US" sz="1600" b="1" dirty="0" smtClean="0">
-                <a:latin typeface="Courier New" pitchFamily="49" charset="0"/>
-                <a:cs typeface="Courier New" pitchFamily="49" charset="0"/>
-              </a:rPr>
-              <a:t>(</a:t>
-            </a:r>
-            <a:r>
-              <a:rPr lang="en-US" sz="1600" b="1" dirty="0" smtClean="0">
+              <a:rPr lang="de-DE" sz="1200" b="1" dirty="0" smtClean="0">
+                <a:latin typeface="Courier New" pitchFamily="49" charset="0"/>
+                <a:cs typeface="Courier New" pitchFamily="49" charset="0"/>
+              </a:rPr>
+              <a:t>	^ </a:t>
+            </a:r>
+            <a:r>
+              <a:rPr lang="en-US" sz="1200" b="1" dirty="0" smtClean="0">
                 <a:solidFill>
                   <a:srgbClr val="666666"/>
                 </a:solidFill>
                 <a:latin typeface="Courier New" pitchFamily="49" charset="0"/>
                 <a:cs typeface="Courier New" pitchFamily="49" charset="0"/>
               </a:rPr>
-              <a:t>"</a:t>
-            </a:r>
-            <a:r>
-              <a:rPr lang="en-US" sz="1600" b="1" dirty="0" err="1" smtClean="0">
+              <a:t>'</a:t>
+            </a:r>
+            <a:r>
+              <a:rPr lang="en-US" sz="1200" b="1" dirty="0" err="1" smtClean="0">
                 <a:solidFill>
                   <a:srgbClr val="666666"/>
                 </a:solidFill>
                 <a:latin typeface="Courier New" pitchFamily="49" charset="0"/>
                 <a:cs typeface="Courier New" pitchFamily="49" charset="0"/>
               </a:rPr>
-              <a:t>yiii</a:t>
-            </a:r>
-            <a:r>
-              <a:rPr lang="en-US" sz="1600" b="1" dirty="0" smtClean="0">
+              <a:t>Arrrrrr</a:t>
+            </a:r>
+            <a:r>
+              <a:rPr lang="en-US" sz="1200" b="1" dirty="0" smtClean="0">
                 <a:solidFill>
                   <a:srgbClr val="666666"/>
                 </a:solidFill>
                 <a:latin typeface="Courier New" pitchFamily="49" charset="0"/>
                 <a:cs typeface="Courier New" pitchFamily="49" charset="0"/>
               </a:rPr>
-              <a:t>"</a:t>
-            </a:r>
-            <a:r>
-              <a:rPr lang="en-US" sz="1600" b="1" dirty="0" smtClean="0">
-                <a:latin typeface="Courier New" pitchFamily="49" charset="0"/>
-                <a:cs typeface="Courier New" pitchFamily="49" charset="0"/>
-              </a:rPr>
-              <a:t>).value(</a:t>
-            </a:r>
-            <a:r>
-              <a:rPr lang="en-US" sz="1600" b="1" dirty="0" smtClean="0">
-                <a:solidFill>
-                  <a:srgbClr val="666666"/>
-                </a:solidFill>
-                <a:latin typeface="Courier New" pitchFamily="49" charset="0"/>
-                <a:cs typeface="Courier New" pitchFamily="49" charset="0"/>
-              </a:rPr>
-              <a:t>"</a:t>
-            </a:r>
-            <a:r>
-              <a:rPr lang="en-US" sz="1600" b="1" dirty="0" err="1" smtClean="0">
-                <a:solidFill>
-                  <a:srgbClr val="666666"/>
-                </a:solidFill>
-                <a:latin typeface="Courier New" pitchFamily="49" charset="0"/>
-                <a:cs typeface="Courier New" pitchFamily="49" charset="0"/>
-              </a:rPr>
-              <a:t>haaaa</a:t>
-            </a:r>
-            <a:r>
-              <a:rPr lang="en-US" sz="1600" b="1" dirty="0" smtClean="0">
-                <a:solidFill>
-                  <a:srgbClr val="666666"/>
-                </a:solidFill>
-                <a:latin typeface="Courier New" pitchFamily="49" charset="0"/>
-                <a:cs typeface="Courier New" pitchFamily="49" charset="0"/>
-              </a:rPr>
-              <a:t>"</a:t>
-            </a:r>
-            <a:r>
-              <a:rPr lang="en-US" sz="1600" b="1" dirty="0" smtClean="0">
-                <a:latin typeface="Courier New" pitchFamily="49" charset="0"/>
-                <a:cs typeface="Courier New" pitchFamily="49" charset="0"/>
-              </a:rPr>
-              <a:t>); </a:t>
+              <a:t>!!!'</a:t>
+            </a:r>
+            <a:r>
+              <a:rPr lang="de-DE" sz="1200" b="1" dirty="0" smtClean="0">
+                <a:latin typeface="Courier New" pitchFamily="49" charset="0"/>
+                <a:cs typeface="Courier New" pitchFamily="49" charset="0"/>
+              </a:rPr>
+              <a:t> </a:t>
             </a:r>
           </a:p>
           <a:p>
             <a:pPr>
               <a:buNone/>
             </a:pPr>
-            <a:r>
-              <a:rPr lang="en-US" sz="1600" b="1" dirty="0" smtClean="0">
-                <a:latin typeface="Courier New" pitchFamily="49" charset="0"/>
-                <a:cs typeface="Courier New" pitchFamily="49" charset="0"/>
-              </a:rPr>
-              <a:t>	},</a:t>
-            </a:r>
+            <a:endParaRPr lang="de-DE" sz="1200" b="1" dirty="0" smtClean="0">
+              <a:latin typeface="Courier New" pitchFamily="49" charset="0"/>
+              <a:cs typeface="Courier New" pitchFamily="49" charset="0"/>
+            </a:endParaRPr>
           </a:p>
           <a:p>
             <a:pPr>
               <a:buNone/>
             </a:pPr>
             <a:r>
-              <a:rPr lang="de-DE" sz="1600" b="1" dirty="0" smtClean="0">
-                <a:latin typeface="Courier New" pitchFamily="49" charset="0"/>
-                <a:cs typeface="Courier New" pitchFamily="49" charset="0"/>
-              </a:rPr>
-              <a:t>	</a:t>
-            </a:r>
-            <a:r>
-              <a:rPr lang="de-DE" sz="1600" b="1" dirty="0" smtClean="0">
+              <a:rPr lang="de-DE" sz="1200" b="1" dirty="0" smtClean="0">
                 <a:solidFill>
                   <a:srgbClr val="B3B3B3"/>
                 </a:solidFill>
                 <a:latin typeface="Courier New" pitchFamily="49" charset="0"/>
                 <a:cs typeface="Courier New" pitchFamily="49" charset="0"/>
               </a:rPr>
-              <a:t>// </a:t>
-            </a:r>
-            <a:r>
-              <a:rPr lang="de-DE" sz="1600" b="1" dirty="0" err="1" smtClean="0">
-                <a:solidFill>
-                  <a:srgbClr val="B3B3B3"/>
-                </a:solidFill>
-                <a:latin typeface="Courier New" pitchFamily="49" charset="0"/>
-                <a:cs typeface="Courier New" pitchFamily="49" charset="0"/>
-              </a:rPr>
-              <a:t>overwrite</a:t>
-            </a:r>
-            <a:r>
-              <a:rPr lang="de-DE" sz="1600" b="1" dirty="0" smtClean="0">
-                <a:solidFill>
-                  <a:srgbClr val="B3B3B3"/>
-                </a:solidFill>
-                <a:latin typeface="Courier New" pitchFamily="49" charset="0"/>
-                <a:cs typeface="Courier New" pitchFamily="49" charset="0"/>
-              </a:rPr>
-              <a:t> </a:t>
-            </a:r>
-            <a:r>
-              <a:rPr lang="de-DE" sz="1600" b="1" dirty="0" err="1" smtClean="0">
-                <a:solidFill>
-                  <a:srgbClr val="B3B3B3"/>
-                </a:solidFill>
-                <a:latin typeface="Courier New" pitchFamily="49" charset="0"/>
-                <a:cs typeface="Courier New" pitchFamily="49" charset="0"/>
-              </a:rPr>
-              <a:t>noise</a:t>
-            </a:r>
-            <a:r>
-              <a:rPr lang="de-DE" sz="1600" b="1" dirty="0" smtClean="0">
-                <a:solidFill>
-                  <a:srgbClr val="B3B3B3"/>
-                </a:solidFill>
-                <a:latin typeface="Courier New" pitchFamily="49" charset="0"/>
-                <a:cs typeface="Courier New" pitchFamily="49" charset="0"/>
-              </a:rPr>
-              <a:t> </a:t>
-            </a:r>
-            <a:r>
-              <a:rPr lang="de-DE" sz="1600" b="1" dirty="0" err="1" smtClean="0">
-                <a:solidFill>
-                  <a:srgbClr val="B3B3B3"/>
-                </a:solidFill>
-                <a:latin typeface="Courier New" pitchFamily="49" charset="0"/>
-                <a:cs typeface="Courier New" pitchFamily="49" charset="0"/>
-              </a:rPr>
-              <a:t>method</a:t>
-            </a:r>
-            <a:endParaRPr lang="en-US" sz="1600" b="1" dirty="0" smtClean="0">
+              <a:t>// JAVASCRIPT</a:t>
+            </a:r>
+            <a:endParaRPr lang="en-US" sz="1200" b="1" dirty="0" smtClean="0">
               <a:solidFill>
                 <a:srgbClr val="B3B3B3"/>
               </a:solidFill>
@@ -6295,7 +6313,245 @@
               <a:buNone/>
             </a:pPr>
             <a:r>
-              <a:rPr lang="en-US" sz="1600" b="1" dirty="0" smtClean="0">
+              <a:rPr lang="en-US" sz="1200" b="1" dirty="0" err="1" smtClean="0">
+                <a:latin typeface="Courier New" pitchFamily="49" charset="0"/>
+                <a:cs typeface="Courier New" pitchFamily="49" charset="0"/>
+              </a:rPr>
+              <a:t>aPirate</a:t>
+            </a:r>
+            <a:r>
+              <a:rPr lang="en-US" sz="1200" b="1" dirty="0" err="1" smtClean="0">
+                <a:latin typeface="Courier New" pitchFamily="49" charset="0"/>
+                <a:cs typeface="Courier New" pitchFamily="49" charset="0"/>
+              </a:rPr>
+              <a:t>._addClassMethods</a:t>
+            </a:r>
+            <a:r>
+              <a:rPr lang="en-US" sz="1200" b="1" dirty="0" smtClean="0">
+                <a:latin typeface="Courier New" pitchFamily="49" charset="0"/>
+                <a:cs typeface="Courier New" pitchFamily="49" charset="0"/>
+              </a:rPr>
+              <a:t>({</a:t>
+            </a:r>
+          </a:p>
+          <a:p>
+            <a:pPr>
+              <a:buNone/>
+            </a:pPr>
+            <a:r>
+              <a:rPr lang="en-US" sz="1200" b="1" dirty="0" smtClean="0">
+                <a:latin typeface="Courier New" pitchFamily="49" charset="0"/>
+                <a:cs typeface="Courier New" pitchFamily="49" charset="0"/>
+              </a:rPr>
+              <a:t>	</a:t>
+            </a:r>
+            <a:r>
+              <a:rPr lang="en-US" sz="1200" b="1" dirty="0" err="1" smtClean="0">
+                <a:latin typeface="Courier New" pitchFamily="49" charset="0"/>
+                <a:cs typeface="Courier New" pitchFamily="49" charset="0"/>
+              </a:rPr>
+              <a:t>evaluateBlock</a:t>
+            </a:r>
+            <a:r>
+              <a:rPr lang="en-US" sz="1200" b="1" dirty="0" smtClean="0">
+                <a:latin typeface="Courier New" pitchFamily="49" charset="0"/>
+                <a:cs typeface="Courier New" pitchFamily="49" charset="0"/>
+              </a:rPr>
+              <a:t>: </a:t>
+            </a:r>
+            <a:r>
+              <a:rPr lang="en-US" sz="1200" b="1" dirty="0" smtClean="0">
+                <a:solidFill>
+                  <a:srgbClr val="004080"/>
+                </a:solidFill>
+                <a:latin typeface="Courier New" pitchFamily="49" charset="0"/>
+                <a:cs typeface="Courier New" pitchFamily="49" charset="0"/>
+              </a:rPr>
+              <a:t>function</a:t>
+            </a:r>
+            <a:r>
+              <a:rPr lang="en-US" sz="1200" b="1" dirty="0" smtClean="0">
+                <a:latin typeface="Courier New" pitchFamily="49" charset="0"/>
+                <a:cs typeface="Courier New" pitchFamily="49" charset="0"/>
+              </a:rPr>
+              <a:t>(</a:t>
+            </a:r>
+            <a:r>
+              <a:rPr lang="en-US" sz="1200" b="1" dirty="0" err="1" smtClean="0">
+                <a:latin typeface="Courier New" pitchFamily="49" charset="0"/>
+                <a:cs typeface="Courier New" pitchFamily="49" charset="0"/>
+              </a:rPr>
+              <a:t>aBlock</a:t>
+            </a:r>
+            <a:r>
+              <a:rPr lang="en-US" sz="1200" b="1" dirty="0" smtClean="0">
+                <a:latin typeface="Courier New" pitchFamily="49" charset="0"/>
+                <a:cs typeface="Courier New" pitchFamily="49" charset="0"/>
+              </a:rPr>
+              <a:t>) {</a:t>
+            </a:r>
+          </a:p>
+          <a:p>
+            <a:pPr>
+              <a:buNone/>
+            </a:pPr>
+            <a:r>
+              <a:rPr lang="en-US" sz="1200" b="1" dirty="0" smtClean="0">
+                <a:latin typeface="Courier New" pitchFamily="49" charset="0"/>
+                <a:cs typeface="Courier New" pitchFamily="49" charset="0"/>
+              </a:rPr>
+              <a:t>		</a:t>
+            </a:r>
+            <a:r>
+              <a:rPr lang="en-US" sz="1200" b="1" dirty="0" err="1" smtClean="0">
+                <a:latin typeface="Courier New" pitchFamily="49" charset="0"/>
+                <a:cs typeface="Courier New" pitchFamily="49" charset="0"/>
+              </a:rPr>
+              <a:t>aBlock.value</a:t>
+            </a:r>
+            <a:r>
+              <a:rPr lang="en-US" sz="1200" b="1" dirty="0" smtClean="0">
+                <a:latin typeface="Courier New" pitchFamily="49" charset="0"/>
+                <a:cs typeface="Courier New" pitchFamily="49" charset="0"/>
+              </a:rPr>
+              <a:t>(</a:t>
+            </a:r>
+            <a:r>
+              <a:rPr lang="en-US" sz="1200" b="1" dirty="0" smtClean="0">
+                <a:solidFill>
+                  <a:srgbClr val="666666"/>
+                </a:solidFill>
+                <a:latin typeface="Courier New" pitchFamily="49" charset="0"/>
+                <a:cs typeface="Courier New" pitchFamily="49" charset="0"/>
+              </a:rPr>
+              <a:t>3</a:t>
+            </a:r>
+            <a:r>
+              <a:rPr lang="en-US" sz="1200" b="1" dirty="0" smtClean="0">
+                <a:latin typeface="Courier New" pitchFamily="49" charset="0"/>
+                <a:cs typeface="Courier New" pitchFamily="49" charset="0"/>
+              </a:rPr>
+              <a:t>).value(</a:t>
+            </a:r>
+            <a:r>
+              <a:rPr lang="en-US" sz="1200" b="1" dirty="0" smtClean="0">
+                <a:solidFill>
+                  <a:srgbClr val="666666"/>
+                </a:solidFill>
+                <a:latin typeface="Courier New" pitchFamily="49" charset="0"/>
+                <a:cs typeface="Courier New" pitchFamily="49" charset="0"/>
+              </a:rPr>
+              <a:t>4</a:t>
+            </a:r>
+            <a:r>
+              <a:rPr lang="en-US" sz="1200" b="1" dirty="0" smtClean="0">
+                <a:latin typeface="Courier New" pitchFamily="49" charset="0"/>
+                <a:cs typeface="Courier New" pitchFamily="49" charset="0"/>
+              </a:rPr>
+              <a:t>); </a:t>
+            </a:r>
+            <a:endParaRPr lang="en-US" sz="1200" b="1" dirty="0" smtClean="0">
+              <a:latin typeface="Courier New" pitchFamily="49" charset="0"/>
+              <a:cs typeface="Courier New" pitchFamily="49" charset="0"/>
+            </a:endParaRPr>
+          </a:p>
+          <a:p>
+            <a:pPr>
+              <a:buNone/>
+            </a:pPr>
+            <a:r>
+              <a:rPr lang="en-US" sz="1200" b="1" dirty="0" smtClean="0">
+                <a:latin typeface="Courier New" pitchFamily="49" charset="0"/>
+                <a:cs typeface="Courier New" pitchFamily="49" charset="0"/>
+              </a:rPr>
+              <a:t>	},</a:t>
+            </a:r>
+          </a:p>
+          <a:p>
+            <a:pPr>
+              <a:buNone/>
+            </a:pPr>
+            <a:r>
+              <a:rPr lang="de-DE" sz="1200" b="1" dirty="0" smtClean="0">
+                <a:latin typeface="Courier New" pitchFamily="49" charset="0"/>
+                <a:cs typeface="Courier New" pitchFamily="49" charset="0"/>
+              </a:rPr>
+              <a:t>	</a:t>
+            </a:r>
+            <a:r>
+              <a:rPr lang="de-DE" sz="1200" b="1" dirty="0" smtClean="0">
+                <a:solidFill>
+                  <a:srgbClr val="B3B3B3"/>
+                </a:solidFill>
+                <a:latin typeface="Courier New" pitchFamily="49" charset="0"/>
+                <a:cs typeface="Courier New" pitchFamily="49" charset="0"/>
+              </a:rPr>
+              <a:t>// </a:t>
+            </a:r>
+            <a:r>
+              <a:rPr lang="de-DE" sz="1200" b="1" dirty="0" err="1" smtClean="0">
+                <a:solidFill>
+                  <a:srgbClr val="B3B3B3"/>
+                </a:solidFill>
+                <a:latin typeface="Courier New" pitchFamily="49" charset="0"/>
+                <a:cs typeface="Courier New" pitchFamily="49" charset="0"/>
+              </a:rPr>
+              <a:t>overwrite</a:t>
+            </a:r>
+            <a:r>
+              <a:rPr lang="de-DE" sz="1200" b="1" dirty="0" smtClean="0">
+                <a:solidFill>
+                  <a:srgbClr val="B3B3B3"/>
+                </a:solidFill>
+                <a:latin typeface="Courier New" pitchFamily="49" charset="0"/>
+                <a:cs typeface="Courier New" pitchFamily="49" charset="0"/>
+              </a:rPr>
+              <a:t> </a:t>
+            </a:r>
+            <a:r>
+              <a:rPr lang="de-DE" sz="1200" b="1" dirty="0" err="1" smtClean="0">
+                <a:solidFill>
+                  <a:srgbClr val="B3B3B3"/>
+                </a:solidFill>
+                <a:latin typeface="Courier New" pitchFamily="49" charset="0"/>
+                <a:cs typeface="Courier New" pitchFamily="49" charset="0"/>
+              </a:rPr>
+              <a:t>noise</a:t>
+            </a:r>
+            <a:r>
+              <a:rPr lang="de-DE" sz="1200" b="1" dirty="0" smtClean="0">
+                <a:solidFill>
+                  <a:srgbClr val="B3B3B3"/>
+                </a:solidFill>
+                <a:latin typeface="Courier New" pitchFamily="49" charset="0"/>
+                <a:cs typeface="Courier New" pitchFamily="49" charset="0"/>
+              </a:rPr>
+              <a:t> </a:t>
+            </a:r>
+            <a:r>
+              <a:rPr lang="de-DE" sz="1200" b="1" dirty="0" err="1" smtClean="0">
+                <a:solidFill>
+                  <a:srgbClr val="B3B3B3"/>
+                </a:solidFill>
+                <a:latin typeface="Courier New" pitchFamily="49" charset="0"/>
+                <a:cs typeface="Courier New" pitchFamily="49" charset="0"/>
+              </a:rPr>
+              <a:t>method</a:t>
+            </a:r>
+            <a:endParaRPr lang="en-US" sz="1200" b="1" dirty="0" smtClean="0">
+              <a:solidFill>
+                <a:srgbClr val="B3B3B3"/>
+              </a:solidFill>
+              <a:latin typeface="Courier New" pitchFamily="49" charset="0"/>
+              <a:cs typeface="Courier New" pitchFamily="49" charset="0"/>
+            </a:endParaRPr>
+          </a:p>
+          <a:p>
+            <a:pPr>
+              <a:buNone/>
+            </a:pPr>
+            <a:r>
+              <a:rPr lang="en-US" sz="1200" b="1" dirty="0" smtClean="0">
                 <a:latin typeface="Courier New" pitchFamily="49" charset="0"/>
                 <a:cs typeface="Courier New" pitchFamily="49" charset="0"/>
               </a:rPr>
@@ -6307,28 +6563,28 @@
               <a:buNone/>
             </a:pPr>
             <a:r>
-              <a:rPr lang="en-US" sz="1600" b="1" i="1" dirty="0" smtClean="0">
+              <a:rPr lang="en-US" sz="1200" b="1" i="1" dirty="0" smtClean="0">
                 <a:latin typeface="Courier New" pitchFamily="49" charset="0"/>
                 <a:cs typeface="Courier New" pitchFamily="49" charset="0"/>
               </a:rPr>
               <a:t>		</a:t>
             </a:r>
             <a:r>
-              <a:rPr lang="en-US" sz="1600" b="1" i="1" dirty="0" err="1" smtClean="0">
+              <a:rPr lang="en-US" sz="1200" b="1" i="1" dirty="0" err="1" smtClean="0">
                 <a:latin typeface="Courier New" pitchFamily="49" charset="0"/>
                 <a:cs typeface="Courier New" pitchFamily="49" charset="0"/>
               </a:rPr>
               <a:t>aBlock</a:t>
             </a:r>
             <a:r>
-              <a:rPr lang="en-US" sz="1600" b="1" i="1" dirty="0" smtClean="0">
+              <a:rPr lang="en-US" sz="1200" b="1" i="1" dirty="0" smtClean="0">
                 <a:latin typeface="Courier New" pitchFamily="49" charset="0"/>
                 <a:cs typeface="Courier New" pitchFamily="49" charset="0"/>
               </a:rPr>
               <a:t> = </a:t>
             </a:r>
             <a:r>
-              <a:rPr lang="en-US" sz="1600" b="1" i="1" dirty="0" smtClean="0">
+              <a:rPr lang="en-US" sz="1200" b="1" i="1" dirty="0" smtClean="0">
                 <a:solidFill>
                   <a:srgbClr val="FF8000"/>
                 </a:solidFill>
@@ -6338,14 +6594,14 @@
               <a:t>block</a:t>
             </a:r>
             <a:r>
-              <a:rPr lang="en-US" sz="1600" b="1" i="1" dirty="0" smtClean="0">
+              <a:rPr lang="en-US" sz="1200" b="1" i="1" dirty="0" smtClean="0">
                 <a:latin typeface="Courier New" pitchFamily="49" charset="0"/>
                 <a:cs typeface="Courier New" pitchFamily="49" charset="0"/>
               </a:rPr>
               <a:t>(</a:t>
             </a:r>
             <a:r>
-              <a:rPr lang="en-US" sz="1600" b="1" i="1" dirty="0" smtClean="0">
+              <a:rPr lang="en-US" sz="1200" b="1" i="1" dirty="0" smtClean="0">
                 <a:solidFill>
                   <a:srgbClr val="004080"/>
                 </a:solidFill>
@@ -6355,13 +6611,13 @@
               <a:t>function</a:t>
             </a:r>
             <a:r>
-              <a:rPr lang="en-US" sz="1600" b="1" i="1" dirty="0" smtClean="0">
+              <a:rPr lang="en-US" sz="1200" b="1" i="1" dirty="0" smtClean="0">
                 <a:latin typeface="Courier New" pitchFamily="49" charset="0"/>
                 <a:cs typeface="Courier New" pitchFamily="49" charset="0"/>
               </a:rPr>
               <a:t>(a) { </a:t>
             </a:r>
-            <a:endParaRPr lang="en-US" sz="1600" b="1" dirty="0" smtClean="0">
+            <a:endParaRPr lang="en-US" sz="1200" b="1" dirty="0" smtClean="0">
               <a:latin typeface="Courier New" pitchFamily="49" charset="0"/>
               <a:cs typeface="Courier New" pitchFamily="49" charset="0"/>
             </a:endParaRPr>
@@ -6371,14 +6627,14 @@
               <a:buNone/>
             </a:pPr>
             <a:r>
-              <a:rPr lang="en-US" sz="1600" b="1" i="1" dirty="0" smtClean="0">
+              <a:rPr lang="en-US" sz="1200" b="1" i="1" dirty="0" smtClean="0">
                 <a:latin typeface="Courier New" pitchFamily="49" charset="0"/>
                 <a:cs typeface="Courier New" pitchFamily="49" charset="0"/>
               </a:rPr>
               <a:t>			</a:t>
             </a:r>
             <a:r>
-              <a:rPr lang="en-US" sz="1600" b="1" i="1" dirty="0" smtClean="0">
+              <a:rPr lang="en-US" sz="1200" b="1" i="1" dirty="0" smtClean="0">
                 <a:solidFill>
                   <a:srgbClr val="004080"/>
                 </a:solidFill>
@@ -6388,14 +6644,14 @@
               <a:t>return</a:t>
             </a:r>
             <a:r>
-              <a:rPr lang="en-US" sz="1600" b="1" i="1" dirty="0" smtClean="0">
-                <a:latin typeface="Courier New" pitchFamily="49" charset="0"/>
-                <a:cs typeface="Courier New" pitchFamily="49" charset="0"/>
-              </a:rPr>
-              <a:t> </a:t>
-            </a:r>
-            <a:r>
-              <a:rPr lang="en-US" sz="1600" b="1" i="1" dirty="0" smtClean="0">
+              <a:rPr lang="en-US" sz="1200" b="1" i="1" dirty="0" smtClean="0">
+                <a:latin typeface="Courier New" pitchFamily="49" charset="0"/>
+                <a:cs typeface="Courier New" pitchFamily="49" charset="0"/>
+              </a:rPr>
+              <a:t> </a:t>
+            </a:r>
+            <a:r>
+              <a:rPr lang="en-US" sz="1200" b="1" i="1" dirty="0" smtClean="0">
                 <a:solidFill>
                   <a:srgbClr val="FF8000"/>
                 </a:solidFill>
@@ -6405,14 +6661,14 @@
               <a:t>block</a:t>
             </a:r>
             <a:r>
-              <a:rPr lang="en-US" sz="1600" b="1" i="1" dirty="0" smtClean="0">
+              <a:rPr lang="en-US" sz="1200" b="1" i="1" dirty="0" smtClean="0">
                 <a:latin typeface="Courier New" pitchFamily="49" charset="0"/>
                 <a:cs typeface="Courier New" pitchFamily="49" charset="0"/>
               </a:rPr>
               <a:t>(</a:t>
             </a:r>
             <a:r>
-              <a:rPr lang="en-US" sz="1600" b="1" i="1" dirty="0" smtClean="0">
+              <a:rPr lang="en-US" sz="1200" b="1" i="1" dirty="0" smtClean="0">
                 <a:solidFill>
                   <a:srgbClr val="004080"/>
                 </a:solidFill>
@@ -6422,13 +6678,13 @@
               <a:t>function</a:t>
             </a:r>
             <a:r>
-              <a:rPr lang="en-US" sz="1600" b="1" i="1" dirty="0" smtClean="0">
+              <a:rPr lang="en-US" sz="1200" b="1" i="1" dirty="0" smtClean="0">
                 <a:latin typeface="Courier New" pitchFamily="49" charset="0"/>
                 <a:cs typeface="Courier New" pitchFamily="49" charset="0"/>
               </a:rPr>
               <a:t>(b) {</a:t>
             </a:r>
-            <a:endParaRPr lang="en-US" sz="1600" b="1" dirty="0" smtClean="0">
+            <a:endParaRPr lang="en-US" sz="1200" b="1" dirty="0" smtClean="0">
               <a:latin typeface="Courier New" pitchFamily="49" charset="0"/>
               <a:cs typeface="Courier New" pitchFamily="49" charset="0"/>
             </a:endParaRPr>
@@ -6438,14 +6694,14 @@
               <a:buNone/>
             </a:pPr>
             <a:r>
-              <a:rPr lang="en-US" sz="1600" b="1" i="1" dirty="0" smtClean="0">
+              <a:rPr lang="en-US" sz="1200" b="1" i="1" dirty="0" smtClean="0">
                 <a:latin typeface="Courier New" pitchFamily="49" charset="0"/>
                 <a:cs typeface="Courier New" pitchFamily="49" charset="0"/>
               </a:rPr>
               <a:t>				</a:t>
             </a:r>
             <a:r>
-              <a:rPr lang="en-US" sz="1600" b="1" i="1" dirty="0" err="1" smtClean="0">
+              <a:rPr lang="en-US" sz="1200" b="1" i="1" dirty="0" err="1" smtClean="0">
                 <a:solidFill>
                   <a:srgbClr val="FF8000"/>
                 </a:solidFill>
@@ -6455,28 +6711,28 @@
               <a:t>nonLocalReturn</a:t>
             </a:r>
             <a:r>
-              <a:rPr lang="en-US" sz="1600" b="1" i="1" dirty="0" smtClean="0">
+              <a:rPr lang="en-US" sz="1200" b="1" i="1" dirty="0" smtClean="0">
                 <a:latin typeface="Courier New" pitchFamily="49" charset="0"/>
                 <a:cs typeface="Courier New" pitchFamily="49" charset="0"/>
               </a:rPr>
               <a:t>(</a:t>
             </a:r>
             <a:r>
-              <a:rPr lang="en-US" sz="1600" b="1" i="1" dirty="0" err="1" smtClean="0">
+              <a:rPr lang="en-US" sz="1200" b="1" i="1" dirty="0" err="1" smtClean="0">
                 <a:latin typeface="Courier New" pitchFamily="49" charset="0"/>
                 <a:cs typeface="Courier New" pitchFamily="49" charset="0"/>
               </a:rPr>
               <a:t>a+b</a:t>
             </a:r>
             <a:r>
-              <a:rPr lang="en-US" sz="1600" b="1" i="1" dirty="0" smtClean="0">
+              <a:rPr lang="en-US" sz="1200" b="1" i="1" dirty="0" smtClean="0">
                 <a:latin typeface="Courier New" pitchFamily="49" charset="0"/>
                 <a:cs typeface="Courier New" pitchFamily="49" charset="0"/>
               </a:rPr>
               <a:t>);</a:t>
             </a:r>
             <a:r>
-              <a:rPr lang="en-US" sz="1600" b="1" i="1" dirty="0" smtClean="0">
+              <a:rPr lang="en-US" sz="1200" b="1" i="1" dirty="0" smtClean="0">
                 <a:solidFill>
                   <a:srgbClr val="FF8000"/>
                 </a:solidFill>
@@ -6485,7 +6741,7 @@
               </a:rPr>
               <a:t> </a:t>
             </a:r>
-            <a:endParaRPr lang="en-US" sz="1600" b="1" dirty="0" smtClean="0">
+            <a:endParaRPr lang="en-US" sz="1200" b="1" dirty="0" smtClean="0">
               <a:solidFill>
                 <a:srgbClr val="FF8000"/>
               </a:solidFill>
@@ -6498,13 +6754,13 @@
               <a:buNone/>
             </a:pPr>
             <a:r>
-              <a:rPr lang="en-US" sz="1600" b="1" i="1" dirty="0" smtClean="0">
+              <a:rPr lang="en-US" sz="1200" b="1" i="1" dirty="0" smtClean="0">
                 <a:latin typeface="Courier New" pitchFamily="49" charset="0"/>
                 <a:cs typeface="Courier New" pitchFamily="49" charset="0"/>
               </a:rPr>
               <a:t>			});</a:t>
             </a:r>
-            <a:endParaRPr lang="en-US" sz="1600" b="1" dirty="0" smtClean="0">
+            <a:endParaRPr lang="en-US" sz="1200" b="1" dirty="0" smtClean="0">
               <a:latin typeface="Courier New" pitchFamily="49" charset="0"/>
               <a:cs typeface="Courier New" pitchFamily="49" charset="0"/>
             </a:endParaRPr>
@@ -6514,13 +6770,13 @@
               <a:buNone/>
             </a:pPr>
             <a:r>
-              <a:rPr lang="en-US" sz="1600" b="1" i="1" dirty="0" smtClean="0">
+              <a:rPr lang="en-US" sz="1200" b="1" i="1" dirty="0" smtClean="0">
                 <a:latin typeface="Courier New" pitchFamily="49" charset="0"/>
                 <a:cs typeface="Courier New" pitchFamily="49" charset="0"/>
               </a:rPr>
               <a:t>		});</a:t>
             </a:r>
-            <a:endParaRPr lang="en-US" sz="1600" b="1" dirty="0" smtClean="0">
+            <a:endParaRPr lang="en-US" sz="1200" b="1" dirty="0" smtClean="0">
               <a:latin typeface="Courier New" pitchFamily="49" charset="0"/>
               <a:cs typeface="Courier New" pitchFamily="49" charset="0"/>
             </a:endParaRPr>
@@ -6530,7 +6786,7 @@
               <a:buNone/>
             </a:pPr>
             <a:r>
-              <a:rPr lang="en-US" sz="1600" b="1" i="1" dirty="0" smtClean="0">
+              <a:rPr lang="en-US" sz="1200" b="1" i="1" dirty="0" smtClean="0">
                 <a:latin typeface="Courier New" pitchFamily="49" charset="0"/>
                 <a:cs typeface="Courier New" pitchFamily="49" charset="0"/>
               </a:rPr>
@@ -6542,14 +6798,14 @@
               <a:buNone/>
             </a:pPr>
             <a:r>
-              <a:rPr lang="en-US" sz="1600" b="1" i="1" dirty="0" smtClean="0">
+              <a:rPr lang="en-US" sz="1200" b="1" i="1" dirty="0" smtClean="0">
                 <a:latin typeface="Courier New" pitchFamily="49" charset="0"/>
                 <a:cs typeface="Courier New" pitchFamily="49" charset="0"/>
               </a:rPr>
               <a:t>		</a:t>
             </a:r>
             <a:r>
-              <a:rPr lang="en-US" sz="1600" b="1" i="1" dirty="0" err="1" smtClean="0">
+              <a:rPr lang="en-US" sz="1200" b="1" i="1" dirty="0" err="1" smtClean="0">
                 <a:solidFill>
                   <a:srgbClr val="004080"/>
                 </a:solidFill>
@@ -6559,28 +6815,28 @@
               <a:t>this</a:t>
             </a:r>
             <a:r>
-              <a:rPr lang="en-US" sz="1600" b="1" i="1" dirty="0" err="1" smtClean="0">
+              <a:rPr lang="en-US" sz="1200" b="1" i="1" dirty="0" err="1" smtClean="0">
                 <a:latin typeface="Courier New" pitchFamily="49" charset="0"/>
                 <a:cs typeface="Courier New" pitchFamily="49" charset="0"/>
               </a:rPr>
               <a:t>.evaluateBlock</a:t>
             </a:r>
             <a:r>
-              <a:rPr lang="en-US" sz="1600" b="1" i="1" dirty="0" smtClean="0">
+              <a:rPr lang="en-US" sz="1200" b="1" i="1" dirty="0" smtClean="0">
                 <a:latin typeface="Courier New" pitchFamily="49" charset="0"/>
                 <a:cs typeface="Courier New" pitchFamily="49" charset="0"/>
               </a:rPr>
               <a:t>(</a:t>
             </a:r>
             <a:r>
-              <a:rPr lang="en-US" sz="1600" b="1" i="1" dirty="0" err="1" smtClean="0">
+              <a:rPr lang="en-US" sz="1200" b="1" i="1" dirty="0" err="1" smtClean="0">
                 <a:latin typeface="Courier New" pitchFamily="49" charset="0"/>
                 <a:cs typeface="Courier New" pitchFamily="49" charset="0"/>
               </a:rPr>
               <a:t>aBlock</a:t>
             </a:r>
             <a:r>
-              <a:rPr lang="en-US" sz="1600" b="1" i="1" dirty="0" smtClean="0">
+              <a:rPr lang="en-US" sz="1200" b="1" i="1" dirty="0" smtClean="0">
                 <a:latin typeface="Courier New" pitchFamily="49" charset="0"/>
                 <a:cs typeface="Courier New" pitchFamily="49" charset="0"/>
               </a:rPr>
@@ -6591,123 +6847,15 @@
             <a:pPr>
               <a:buNone/>
             </a:pPr>
-            <a:endParaRPr lang="de-DE" sz="1600" b="1" i="1" dirty="0" smtClean="0">
-              <a:latin typeface="Courier New" pitchFamily="49" charset="0"/>
-              <a:cs typeface="Courier New" pitchFamily="49" charset="0"/>
-            </a:endParaRPr>
-          </a:p>
-          <a:p>
-            <a:pPr>
-              <a:buNone/>
-            </a:pPr>
-            <a:r>
-              <a:rPr lang="de-DE" sz="1600" b="1" i="1" dirty="0" smtClean="0">
+            <a:r>
+              <a:rPr lang="en-US" sz="1200" b="1" dirty="0" smtClean="0">
                 <a:latin typeface="Courier New" pitchFamily="49" charset="0"/>
                 <a:cs typeface="Courier New" pitchFamily="49" charset="0"/>
               </a:rPr>
               <a:t>		</a:t>
             </a:r>
             <a:r>
-              <a:rPr lang="de-DE" sz="1600" b="1" i="1" dirty="0" smtClean="0">
-                <a:solidFill>
-                  <a:srgbClr val="B3B3B3"/>
-                </a:solidFill>
-                <a:latin typeface="Courier New" pitchFamily="49" charset="0"/>
-                <a:cs typeface="Courier New" pitchFamily="49" charset="0"/>
-              </a:rPr>
-              <a:t>// </a:t>
-            </a:r>
-            <a:r>
-              <a:rPr lang="de-DE" sz="1600" b="1" i="1" dirty="0" err="1" smtClean="0">
-                <a:solidFill>
-                  <a:srgbClr val="B3B3B3"/>
-                </a:solidFill>
-                <a:latin typeface="Courier New" pitchFamily="49" charset="0"/>
-                <a:cs typeface="Courier New" pitchFamily="49" charset="0"/>
-              </a:rPr>
-              <a:t>should</a:t>
-            </a:r>
-            <a:r>
-              <a:rPr lang="de-DE" sz="1600" b="1" i="1" dirty="0" smtClean="0">
-                <a:solidFill>
-                  <a:srgbClr val="B3B3B3"/>
-                </a:solidFill>
-                <a:latin typeface="Courier New" pitchFamily="49" charset="0"/>
-                <a:cs typeface="Courier New" pitchFamily="49" charset="0"/>
-              </a:rPr>
-              <a:t> </a:t>
-            </a:r>
-            <a:r>
-              <a:rPr lang="de-DE" sz="1600" b="1" i="1" dirty="0" err="1" smtClean="0">
-                <a:solidFill>
-                  <a:srgbClr val="B3B3B3"/>
-                </a:solidFill>
-                <a:latin typeface="Courier New" pitchFamily="49" charset="0"/>
-                <a:cs typeface="Courier New" pitchFamily="49" charset="0"/>
-              </a:rPr>
-              <a:t>never</a:t>
-            </a:r>
-            <a:r>
-              <a:rPr lang="de-DE" sz="1600" b="1" i="1" dirty="0" smtClean="0">
-                <a:solidFill>
-                  <a:srgbClr val="B3B3B3"/>
-                </a:solidFill>
-                <a:latin typeface="Courier New" pitchFamily="49" charset="0"/>
-                <a:cs typeface="Courier New" pitchFamily="49" charset="0"/>
-              </a:rPr>
-              <a:t> </a:t>
-            </a:r>
-            <a:r>
-              <a:rPr lang="de-DE" sz="1600" b="1" i="1" dirty="0" err="1" smtClean="0">
-                <a:solidFill>
-                  <a:srgbClr val="B3B3B3"/>
-                </a:solidFill>
-                <a:latin typeface="Courier New" pitchFamily="49" charset="0"/>
-                <a:cs typeface="Courier New" pitchFamily="49" charset="0"/>
-              </a:rPr>
-              <a:t>be</a:t>
-            </a:r>
-            <a:r>
-              <a:rPr lang="de-DE" sz="1600" b="1" i="1" dirty="0" smtClean="0">
-                <a:solidFill>
-                  <a:srgbClr val="B3B3B3"/>
-                </a:solidFill>
-                <a:latin typeface="Courier New" pitchFamily="49" charset="0"/>
-                <a:cs typeface="Courier New" pitchFamily="49" charset="0"/>
-              </a:rPr>
-              <a:t> </a:t>
-            </a:r>
-            <a:r>
-              <a:rPr lang="de-DE" sz="1600" b="1" i="1" dirty="0" err="1" smtClean="0">
-                <a:solidFill>
-                  <a:srgbClr val="B3B3B3"/>
-                </a:solidFill>
-                <a:latin typeface="Courier New" pitchFamily="49" charset="0"/>
-                <a:cs typeface="Courier New" pitchFamily="49" charset="0"/>
-              </a:rPr>
-              <a:t>called</a:t>
-            </a:r>
-            <a:endParaRPr lang="en-US" sz="1600" b="1" dirty="0" smtClean="0">
-              <a:solidFill>
-                <a:srgbClr val="B3B3B3"/>
-              </a:solidFill>
-              <a:latin typeface="Courier New" pitchFamily="49" charset="0"/>
-              <a:cs typeface="Courier New" pitchFamily="49" charset="0"/>
-            </a:endParaRPr>
-          </a:p>
-          <a:p>
-            <a:pPr>
-              <a:buNone/>
-            </a:pPr>
-            <a:r>
-              <a:rPr lang="en-US" sz="1600" b="1" dirty="0" smtClean="0">
-                <a:latin typeface="Courier New" pitchFamily="49" charset="0"/>
-                <a:cs typeface="Courier New" pitchFamily="49" charset="0"/>
-              </a:rPr>
-              <a:t>		</a:t>
-            </a:r>
-            <a:r>
-              <a:rPr lang="en-US" sz="1600" b="1" dirty="0" smtClean="0">
+              <a:rPr lang="en-US" sz="1200" b="1" dirty="0" smtClean="0">
                 <a:solidFill>
                   <a:srgbClr val="004080"/>
                 </a:solidFill>
@@ -6717,14 +6865,14 @@
               <a:t>return</a:t>
             </a:r>
             <a:r>
-              <a:rPr lang="en-US" sz="1600" b="1" dirty="0" smtClean="0">
-                <a:latin typeface="Courier New" pitchFamily="49" charset="0"/>
-                <a:cs typeface="Courier New" pitchFamily="49" charset="0"/>
-              </a:rPr>
-              <a:t> </a:t>
-            </a:r>
-            <a:r>
-              <a:rPr lang="en-US" sz="1600" b="1" dirty="0" smtClean="0">
+              <a:rPr lang="en-US" sz="1200" b="1" dirty="0" smtClean="0">
+                <a:latin typeface="Courier New" pitchFamily="49" charset="0"/>
+                <a:cs typeface="Courier New" pitchFamily="49" charset="0"/>
+              </a:rPr>
+              <a:t> </a:t>
+            </a:r>
+            <a:r>
+              <a:rPr lang="en-US" sz="1200" b="1" dirty="0" smtClean="0">
                 <a:solidFill>
                   <a:srgbClr val="666666"/>
                 </a:solidFill>
@@ -6734,7 +6882,7 @@
               <a:t>'</a:t>
             </a:r>
             <a:r>
-              <a:rPr lang="en-US" sz="1600" b="1" dirty="0" err="1" smtClean="0">
+              <a:rPr lang="en-US" sz="1200" b="1" dirty="0" err="1" smtClean="0">
                 <a:solidFill>
                   <a:srgbClr val="666666"/>
                 </a:solidFill>
@@ -6744,7 +6892,7 @@
               <a:t>Arrrrrr</a:t>
             </a:r>
             <a:r>
-              <a:rPr lang="en-US" sz="1600" b="1" dirty="0" smtClean="0">
+              <a:rPr lang="en-US" sz="1200" b="1" dirty="0" smtClean="0">
                 <a:solidFill>
                   <a:srgbClr val="666666"/>
                 </a:solidFill>
@@ -6759,7 +6907,7 @@
               <a:buNone/>
             </a:pPr>
             <a:r>
-              <a:rPr lang="en-US" sz="1600" b="1" dirty="0" smtClean="0">
+              <a:rPr lang="en-US" sz="1200" b="1" dirty="0" smtClean="0">
                 <a:latin typeface="Courier New" pitchFamily="49" charset="0"/>
                 <a:cs typeface="Courier New" pitchFamily="49" charset="0"/>
               </a:rPr>
@@ -6770,7 +6918,7 @@
             <a:pPr>
               <a:buNone/>
             </a:pPr>
-            <a:endParaRPr lang="en-US" sz="1600" b="1" dirty="0">
+            <a:endParaRPr lang="en-US" sz="1200" b="1" dirty="0">
               <a:latin typeface="Courier New" pitchFamily="49" charset="0"/>
               <a:cs typeface="Courier New" pitchFamily="49" charset="0"/>
             </a:endParaRPr>
@@ -6952,8 +7100,32 @@
               <a:t>	</a:t>
             </a:r>
             <a:r>
-              <a:rPr lang="de-DE" dirty="0" err="1" smtClean="0"/>
-              <a:t>no</a:t>
+              <a:rPr lang="de-DE" dirty="0" err="1" smtClean="0">
+                <a:solidFill>
+                  <a:srgbClr val="004080"/>
+                </a:solidFill>
+              </a:rPr>
+              <a:t>this</a:t>
+            </a:r>
+            <a:r>
+              <a:rPr lang="de-DE" dirty="0" smtClean="0"/>
+              <a:t> </a:t>
+            </a:r>
+            <a:r>
+              <a:rPr lang="de-DE" dirty="0" smtClean="0"/>
+              <a:t>not </a:t>
+            </a:r>
+            <a:r>
+              <a:rPr lang="de-DE" dirty="0" err="1" smtClean="0"/>
+              <a:t>bound</a:t>
+            </a:r>
+            <a:r>
+              <a:rPr lang="de-DE" dirty="0" smtClean="0"/>
+              <a:t> </a:t>
+            </a:r>
+            <a:r>
+              <a:rPr lang="de-DE" dirty="0" err="1" smtClean="0"/>
+              <a:t>to</a:t>
             </a:r>
             <a:r>
               <a:rPr lang="de-DE" dirty="0" smtClean="0"/>
@@ -6965,16 +7137,9 @@
             </a:r>
             <a:r>
               <a:rPr lang="de-DE" dirty="0" smtClean="0"/>
-              <a:t> </a:t>
-            </a:r>
-            <a:r>
-              <a:rPr lang="de-DE" dirty="0" err="1" smtClean="0"/>
-              <a:t>context</a:t>
-            </a:r>
-            <a:r>
-              <a:rPr lang="de-DE" dirty="0" smtClean="0"/>
               <a:t>!</a:t>
             </a:r>
+            <a:endParaRPr lang="de-DE" dirty="0" smtClean="0"/>
           </a:p>
           <a:p>
             <a:pPr>
@@ -7084,7 +7249,27 @@
             </a:r>
             <a:r>
               <a:rPr lang="de-DE" dirty="0" smtClean="0"/>
-              <a:t>, but </a:t>
+              <a:t> </a:t>
+            </a:r>
+            <a:r>
+              <a:rPr lang="de-DE" dirty="0" smtClean="0"/>
+              <a:t>(</a:t>
+            </a:r>
+            <a:r>
+              <a:rPr lang="de-DE" dirty="0" err="1" smtClean="0"/>
+              <a:t>this</a:t>
+            </a:r>
+            <a:r>
+              <a:rPr lang="de-DE" dirty="0" smtClean="0"/>
+              <a:t>)</a:t>
+            </a:r>
+            <a:r>
+              <a:rPr lang="de-DE" dirty="0" smtClean="0"/>
+              <a:t>, </a:t>
+            </a:r>
+            <a:r>
+              <a:rPr lang="de-DE" dirty="0" smtClean="0"/>
+              <a:t>but </a:t>
             </a:r>
             <a:r>
               <a:rPr lang="de-DE" dirty="0" err="1" smtClean="0"/>
@@ -7617,37 +7802,33 @@
             </a:r>
             <a:r>
               <a:rPr lang="de-DE" dirty="0" smtClean="0"/>
-              <a:t>bind super </a:t>
+              <a:t>super </a:t>
+            </a:r>
+            <a:r>
+              <a:rPr lang="de-DE" dirty="0" err="1" smtClean="0"/>
+              <a:t>as</a:t>
+            </a:r>
+            <a:r>
+              <a:rPr lang="de-DE" dirty="0" smtClean="0"/>
+              <a:t> </a:t>
+            </a:r>
+            <a:r>
+              <a:rPr lang="de-DE" dirty="0" err="1" smtClean="0"/>
+              <a:t>instance‘s</a:t>
+            </a:r>
+            <a:r>
+              <a:rPr lang="de-DE" dirty="0" smtClean="0"/>
+              <a:t> </a:t>
             </a:r>
             <a:r>
               <a:rPr lang="de-DE" dirty="0" err="1" smtClean="0"/>
               <a:t>slot</a:t>
             </a:r>
-            <a:r>
-              <a:rPr lang="de-DE" dirty="0" smtClean="0"/>
-              <a:t> </a:t>
-            </a:r>
-            <a:r>
-              <a:rPr lang="de-DE" dirty="0" err="1" smtClean="0"/>
-              <a:t>to</a:t>
-            </a:r>
-            <a:r>
-              <a:rPr lang="de-DE" dirty="0" smtClean="0"/>
-              <a:t> </a:t>
-            </a:r>
-            <a:r>
-              <a:rPr lang="de-DE" dirty="0" err="1" smtClean="0"/>
-              <a:t>object</a:t>
-            </a:r>
-            <a:r>
-              <a:rPr lang="de-DE" dirty="0" smtClean="0"/>
-              <a:t> </a:t>
-            </a:r>
-            <a:r>
-              <a:rPr lang="de-DE" dirty="0" err="1" smtClean="0"/>
-              <a:t>context</a:t>
-            </a:r>
-            <a:endParaRPr lang="de-DE" dirty="0" smtClean="0"/>
+            <a:endParaRPr lang="de-DE" dirty="0" smtClean="0">
+              <a:solidFill>
+                <a:srgbClr val="004080"/>
+              </a:solidFill>
+            </a:endParaRPr>
           </a:p>
           <a:p>
             <a:pPr>
@@ -7671,7 +7852,11 @@
             </a:r>
             <a:r>
               <a:rPr lang="de-DE" dirty="0" smtClean="0"/>
-              <a:t>(a, b);</a:t>
+              <a:t>(a, </a:t>
+            </a:r>
+            <a:r>
+              <a:rPr lang="de-DE" dirty="0" smtClean="0"/>
+              <a:t>b);</a:t>
             </a:r>
           </a:p>
           <a:p>
@@ -7798,12 +7983,20 @@
               <a:t> </a:t>
             </a:r>
             <a:r>
-              <a:rPr lang="de-DE" dirty="0" err="1" smtClean="0"/>
-              <a:t>slot</a:t>
-            </a:r>
-            <a:r>
-              <a:rPr lang="de-DE" dirty="0" smtClean="0"/>
-              <a:t> on </a:t>
+              <a:rPr lang="de-DE" dirty="0" smtClean="0"/>
+              <a:t>_super </a:t>
+            </a:r>
+            <a:r>
+              <a:rPr lang="de-DE" dirty="0" err="1" smtClean="0"/>
+              <a:t>slots</a:t>
+            </a:r>
+            <a:r>
+              <a:rPr lang="de-DE" dirty="0" smtClean="0"/>
+              <a:t> </a:t>
+            </a:r>
+            <a:r>
+              <a:rPr lang="de-DE" dirty="0" smtClean="0"/>
+              <a:t>on </a:t>
             </a:r>
             <a:r>
               <a:rPr lang="de-DE" dirty="0" err="1" smtClean="0"/>
@@ -11413,19 +11606,19 @@
             </a:r>
             <a:r>
               <a:rPr lang="de-DE" dirty="0" smtClean="0"/>
-              <a:t> </a:t>
-            </a:r>
-            <a:r>
-              <a:rPr lang="de-DE" dirty="0" err="1" smtClean="0"/>
-              <a:t>the</a:t>
-            </a:r>
-            <a:r>
-              <a:rPr lang="de-DE" dirty="0" smtClean="0"/>
-              <a:t> same </a:t>
-            </a:r>
-            <a:r>
-              <a:rPr lang="de-DE" dirty="0" err="1" smtClean="0"/>
-              <a:t>name</a:t>
+              <a:t> different </a:t>
+            </a:r>
+            <a:r>
+              <a:rPr lang="de-DE" dirty="0" err="1" smtClean="0"/>
+              <a:t>namespaces</a:t>
+            </a:r>
+            <a:r>
+              <a:rPr lang="de-DE" dirty="0" smtClean="0"/>
+              <a:t> in </a:t>
+            </a:r>
+            <a:r>
+              <a:rPr lang="de-DE" dirty="0" err="1" smtClean="0"/>
+              <a:t>Squeak</a:t>
             </a:r>
             <a:r>
               <a:rPr lang="de-DE" dirty="0" smtClean="0"/>
@@ -11433,63 +11626,27 @@
             </a:r>
             <a:r>
               <a:rPr lang="de-DE" dirty="0" err="1" smtClean="0"/>
-              <a:t>accessor</a:t>
-            </a:r>
-            <a:r>
-              <a:rPr lang="de-DE" dirty="0" smtClean="0"/>
-              <a:t> must </a:t>
-            </a:r>
-            <a:r>
-              <a:rPr lang="de-DE" dirty="0" err="1" smtClean="0"/>
-              <a:t>be</a:t>
-            </a:r>
-            <a:r>
-              <a:rPr lang="de-DE" dirty="0" smtClean="0"/>
-              <a:t> </a:t>
-            </a:r>
-            <a:r>
-              <a:rPr lang="de-DE" dirty="0" err="1" smtClean="0"/>
-              <a:t>bound</a:t>
-            </a:r>
-            <a:r>
-              <a:rPr lang="de-DE" dirty="0" smtClean="0"/>
-              <a:t> </a:t>
-            </a:r>
-            <a:r>
-              <a:rPr lang="de-DE" dirty="0" err="1" smtClean="0"/>
-              <a:t>to</a:t>
-            </a:r>
-            <a:r>
-              <a:rPr lang="de-DE" dirty="0" smtClean="0"/>
-              <a:t> </a:t>
-            </a:r>
-            <a:r>
-              <a:rPr lang="de-DE" i="1" dirty="0" err="1" smtClean="0">
-                <a:solidFill>
-                  <a:srgbClr val="FF8000"/>
-                </a:solidFill>
-              </a:rPr>
-              <a:t>this</a:t>
-            </a:r>
-            <a:r>
-              <a:rPr lang="de-DE" i="1" dirty="0" smtClean="0"/>
-              <a:t> (</a:t>
-            </a:r>
-            <a:r>
-              <a:rPr lang="de-DE" i="1" dirty="0" err="1" smtClean="0"/>
-              <a:t>self</a:t>
-            </a:r>
-            <a:r>
-              <a:rPr lang="de-DE" i="1" dirty="0" smtClean="0"/>
-              <a:t>)</a:t>
-            </a:r>
-            <a:r>
-              <a:rPr lang="de-DE" dirty="0" smtClean="0"/>
-              <a:t> -&gt; </a:t>
-            </a:r>
-            <a:r>
-              <a:rPr lang="de-DE" dirty="0" err="1" smtClean="0"/>
-              <a:t>conflict</a:t>
+              <a:t>only</a:t>
+            </a:r>
+            <a:r>
+              <a:rPr lang="de-DE" dirty="0" smtClean="0"/>
+              <a:t> </a:t>
+            </a:r>
+            <a:r>
+              <a:rPr lang="de-DE" dirty="0" err="1" smtClean="0"/>
+              <a:t>one</a:t>
+            </a:r>
+            <a:r>
+              <a:rPr lang="de-DE" dirty="0" smtClean="0"/>
+              <a:t> </a:t>
+            </a:r>
+            <a:r>
+              <a:rPr lang="de-DE" dirty="0" err="1" smtClean="0"/>
+              <a:t>namespace</a:t>
+            </a:r>
+            <a:r>
+              <a:rPr lang="de-DE" dirty="0" smtClean="0"/>
+              <a:t> in JavaScript</a:t>
             </a:r>
             <a:endParaRPr lang="de-DE" dirty="0" smtClean="0"/>
           </a:p>
@@ -11590,15 +11747,15 @@
             </a:r>
             <a:r>
               <a:rPr lang="de-DE" dirty="0" err="1" smtClean="0"/>
-              <a:t>avoid</a:t>
-            </a:r>
-            <a:r>
-              <a:rPr lang="de-DE" dirty="0" smtClean="0"/>
-              <a:t> </a:t>
-            </a:r>
-            <a:r>
-              <a:rPr lang="de-DE" dirty="0" err="1" smtClean="0"/>
               <a:t>conflicts</a:t>
+            </a:r>
+            <a:r>
+              <a:rPr lang="de-DE" dirty="0" smtClean="0"/>
+              <a:t> </a:t>
+            </a:r>
+            <a:r>
+              <a:rPr lang="de-DE" dirty="0" err="1" smtClean="0"/>
+              <a:t>avoided</a:t>
             </a:r>
             <a:endParaRPr lang="de-DE" dirty="0" smtClean="0"/>
           </a:p>
